--- a/server/uploads/OP.pptx
+++ b/server/uploads/OP.pptx
@@ -273,7 +273,7 @@
           <a:p>
             <a:fld id="{94463C9C-F912-4252-8C2D-08E20751123F}" type="datetimeFigureOut">
               <a:rPr lang="he-IL" smtClean="0"/>
-              <a:t>י"ח/אייר/תשפ"ב</a:t>
+              <a:t>י"ט/אייר/תשפ"ב</a:t>
             </a:fld>
             <a:endParaRPr lang="he-IL" dirty="0"/>
           </a:p>
@@ -473,7 +473,7 @@
           <a:p>
             <a:fld id="{94463C9C-F912-4252-8C2D-08E20751123F}" type="datetimeFigureOut">
               <a:rPr lang="he-IL" smtClean="0"/>
-              <a:t>י"ח/אייר/תשפ"ב</a:t>
+              <a:t>י"ט/אייר/תשפ"ב</a:t>
             </a:fld>
             <a:endParaRPr lang="he-IL" dirty="0"/>
           </a:p>
@@ -683,7 +683,7 @@
           <a:p>
             <a:fld id="{94463C9C-F912-4252-8C2D-08E20751123F}" type="datetimeFigureOut">
               <a:rPr lang="he-IL" smtClean="0"/>
-              <a:t>י"ח/אייר/תשפ"ב</a:t>
+              <a:t>י"ט/אייר/תשפ"ב</a:t>
             </a:fld>
             <a:endParaRPr lang="he-IL" dirty="0"/>
           </a:p>
@@ -883,7 +883,7 @@
           <a:p>
             <a:fld id="{94463C9C-F912-4252-8C2D-08E20751123F}" type="datetimeFigureOut">
               <a:rPr lang="he-IL" smtClean="0"/>
-              <a:t>י"ח/אייר/תשפ"ב</a:t>
+              <a:t>י"ט/אייר/תשפ"ב</a:t>
             </a:fld>
             <a:endParaRPr lang="he-IL" dirty="0"/>
           </a:p>
@@ -1159,7 +1159,7 @@
           <a:p>
             <a:fld id="{94463C9C-F912-4252-8C2D-08E20751123F}" type="datetimeFigureOut">
               <a:rPr lang="he-IL" smtClean="0"/>
-              <a:t>י"ח/אייר/תשפ"ב</a:t>
+              <a:t>י"ט/אייר/תשפ"ב</a:t>
             </a:fld>
             <a:endParaRPr lang="he-IL" dirty="0"/>
           </a:p>
@@ -1427,7 +1427,7 @@
           <a:p>
             <a:fld id="{94463C9C-F912-4252-8C2D-08E20751123F}" type="datetimeFigureOut">
               <a:rPr lang="he-IL" smtClean="0"/>
-              <a:t>י"ח/אייר/תשפ"ב</a:t>
+              <a:t>י"ט/אייר/תשפ"ב</a:t>
             </a:fld>
             <a:endParaRPr lang="he-IL" dirty="0"/>
           </a:p>
@@ -1842,7 +1842,7 @@
           <a:p>
             <a:fld id="{94463C9C-F912-4252-8C2D-08E20751123F}" type="datetimeFigureOut">
               <a:rPr lang="he-IL" smtClean="0"/>
-              <a:t>י"ח/אייר/תשפ"ב</a:t>
+              <a:t>י"ט/אייר/תשפ"ב</a:t>
             </a:fld>
             <a:endParaRPr lang="he-IL" dirty="0"/>
           </a:p>
@@ -1984,7 +1984,7 @@
           <a:p>
             <a:fld id="{94463C9C-F912-4252-8C2D-08E20751123F}" type="datetimeFigureOut">
               <a:rPr lang="he-IL" smtClean="0"/>
-              <a:t>י"ח/אייר/תשפ"ב</a:t>
+              <a:t>י"ט/אייר/תשפ"ב</a:t>
             </a:fld>
             <a:endParaRPr lang="he-IL" dirty="0"/>
           </a:p>
@@ -2097,7 +2097,7 @@
           <a:p>
             <a:fld id="{94463C9C-F912-4252-8C2D-08E20751123F}" type="datetimeFigureOut">
               <a:rPr lang="he-IL" smtClean="0"/>
-              <a:t>י"ח/אייר/תשפ"ב</a:t>
+              <a:t>י"ט/אייר/תשפ"ב</a:t>
             </a:fld>
             <a:endParaRPr lang="he-IL" dirty="0"/>
           </a:p>
@@ -2410,7 +2410,7 @@
           <a:p>
             <a:fld id="{94463C9C-F912-4252-8C2D-08E20751123F}" type="datetimeFigureOut">
               <a:rPr lang="he-IL" smtClean="0"/>
-              <a:t>י"ח/אייר/תשפ"ב</a:t>
+              <a:t>י"ט/אייר/תשפ"ב</a:t>
             </a:fld>
             <a:endParaRPr lang="he-IL" dirty="0"/>
           </a:p>
@@ -2699,7 +2699,7 @@
           <a:p>
             <a:fld id="{94463C9C-F912-4252-8C2D-08E20751123F}" type="datetimeFigureOut">
               <a:rPr lang="he-IL" smtClean="0"/>
-              <a:t>י"ח/אייר/תשפ"ב</a:t>
+              <a:t>י"ט/אייר/תשפ"ב</a:t>
             </a:fld>
             <a:endParaRPr lang="he-IL" dirty="0"/>
           </a:p>
@@ -2945,7 +2945,7 @@
           <a:p>
             <a:fld id="{94463C9C-F912-4252-8C2D-08E20751123F}" type="datetimeFigureOut">
               <a:rPr lang="he-IL" smtClean="0"/>
-              <a:t>י"ח/אייר/תשפ"ב</a:t>
+              <a:t>י"ט/אייר/תשפ"ב</a:t>
             </a:fld>
             <a:endParaRPr lang="he-IL" dirty="0"/>
           </a:p>
@@ -3479,7 +3479,7 @@
                   <a:srgbClr val="7030A0"/>
                 </a:solidFill>
               </a:rPr>
-              <a:t>Introduction [1]</a:t>
+              <a:t>Introduction</a:t>
             </a:r>
             <a:endParaRPr lang="he-IL" dirty="0"/>
           </a:p>
@@ -3574,12 +3574,12 @@
           <a:lstStyle/>
           <a:p>
             <a:r>
-              <a:rPr lang="en-US" b="1" dirty="0">
+              <a:rPr lang="en-US" b="1">
                 <a:solidFill>
                   <a:srgbClr val="7030A0"/>
                 </a:solidFill>
               </a:rPr>
-              <a:t>Introduction [2]</a:t>
+              <a:t>Introduction</a:t>
             </a:r>
             <a:endParaRPr lang="he-IL" dirty="0"/>
           </a:p>
